--- a/Google Cloud Platform.pptx
+++ b/Google Cloud Platform.pptx
@@ -120,6 +120,11 @@
       </a:defRPr>
     </a:lvl9pPr>
   </p:defaultTextStyle>
+  <p:extLst>
+    <p:ext uri="{EFAFB233-063F-42B5-8137-9DF3F51BA10A}">
+      <p15:sldGuideLst xmlns:p15="http://schemas.microsoft.com/office/powerpoint/2012/main"/>
+    </p:ext>
+  </p:extLst>
 </p:presentation>
 </file>
 
@@ -352,7 +357,7 @@
           <a:p>
             <a:fld id="{EDCD766C-25A4-460D-AFCA-4471E92D5168}" type="datetimeFigureOut">
               <a:rPr lang="en-IN" smtClean="0"/>
-              <a:t>17-03-2024</a:t>
+              <a:t>19-03-2024</a:t>
             </a:fld>
             <a:endParaRPr lang="en-IN"/>
           </a:p>
@@ -686,7 +691,7 @@
           <a:p>
             <a:fld id="{EDCD766C-25A4-460D-AFCA-4471E92D5168}" type="datetimeFigureOut">
               <a:rPr lang="en-IN" smtClean="0"/>
-              <a:t>17-03-2024</a:t>
+              <a:t>19-03-2024</a:t>
             </a:fld>
             <a:endParaRPr lang="en-IN"/>
           </a:p>
@@ -964,7 +969,7 @@
           <a:p>
             <a:fld id="{EDCD766C-25A4-460D-AFCA-4471E92D5168}" type="datetimeFigureOut">
               <a:rPr lang="en-IN" smtClean="0"/>
-              <a:t>17-03-2024</a:t>
+              <a:t>19-03-2024</a:t>
             </a:fld>
             <a:endParaRPr lang="en-IN"/>
           </a:p>
@@ -1532,7 +1537,7 @@
           <a:p>
             <a:fld id="{EDCD766C-25A4-460D-AFCA-4471E92D5168}" type="datetimeFigureOut">
               <a:rPr lang="en-IN" smtClean="0"/>
-              <a:t>17-03-2024</a:t>
+              <a:t>19-03-2024</a:t>
             </a:fld>
             <a:endParaRPr lang="en-IN"/>
           </a:p>
@@ -1810,7 +1815,7 @@
           <a:p>
             <a:fld id="{EDCD766C-25A4-460D-AFCA-4471E92D5168}" type="datetimeFigureOut">
               <a:rPr lang="en-IN" smtClean="0"/>
-              <a:t>17-03-2024</a:t>
+              <a:t>19-03-2024</a:t>
             </a:fld>
             <a:endParaRPr lang="en-IN"/>
           </a:p>
@@ -2372,7 +2377,7 @@
           <a:p>
             <a:fld id="{EDCD766C-25A4-460D-AFCA-4471E92D5168}" type="datetimeFigureOut">
               <a:rPr lang="en-IN" smtClean="0"/>
-              <a:t>17-03-2024</a:t>
+              <a:t>19-03-2024</a:t>
             </a:fld>
             <a:endParaRPr lang="en-IN"/>
           </a:p>
@@ -2699,7 +2704,7 @@
           <a:p>
             <a:fld id="{EDCD766C-25A4-460D-AFCA-4471E92D5168}" type="datetimeFigureOut">
               <a:rPr lang="en-IN" smtClean="0"/>
-              <a:t>17-03-2024</a:t>
+              <a:t>19-03-2024</a:t>
             </a:fld>
             <a:endParaRPr lang="en-IN"/>
           </a:p>
@@ -2876,7 +2881,7 @@
           <a:p>
             <a:fld id="{EDCD766C-25A4-460D-AFCA-4471E92D5168}" type="datetimeFigureOut">
               <a:rPr lang="en-IN" smtClean="0"/>
-              <a:t>17-03-2024</a:t>
+              <a:t>19-03-2024</a:t>
             </a:fld>
             <a:endParaRPr lang="en-IN"/>
           </a:p>
@@ -3114,7 +3119,7 @@
           <a:p>
             <a:fld id="{EDCD766C-25A4-460D-AFCA-4471E92D5168}" type="datetimeFigureOut">
               <a:rPr lang="en-IN" smtClean="0"/>
-              <a:t>17-03-2024</a:t>
+              <a:t>19-03-2024</a:t>
             </a:fld>
             <a:endParaRPr lang="en-IN"/>
           </a:p>
@@ -3314,7 +3319,7 @@
           <a:p>
             <a:fld id="{EDCD766C-25A4-460D-AFCA-4471E92D5168}" type="datetimeFigureOut">
               <a:rPr lang="en-IN" smtClean="0"/>
-              <a:t>17-03-2024</a:t>
+              <a:t>19-03-2024</a:t>
             </a:fld>
             <a:endParaRPr lang="en-IN"/>
           </a:p>
@@ -3590,7 +3595,7 @@
           <a:p>
             <a:fld id="{EDCD766C-25A4-460D-AFCA-4471E92D5168}" type="datetimeFigureOut">
               <a:rPr lang="en-IN" smtClean="0"/>
-              <a:t>17-03-2024</a:t>
+              <a:t>19-03-2024</a:t>
             </a:fld>
             <a:endParaRPr lang="en-IN"/>
           </a:p>
@@ -3856,7 +3861,7 @@
           <a:p>
             <a:fld id="{EDCD766C-25A4-460D-AFCA-4471E92D5168}" type="datetimeFigureOut">
               <a:rPr lang="en-IN" smtClean="0"/>
-              <a:t>17-03-2024</a:t>
+              <a:t>19-03-2024</a:t>
             </a:fld>
             <a:endParaRPr lang="en-IN"/>
           </a:p>
@@ -4230,7 +4235,7 @@
           <a:p>
             <a:fld id="{EDCD766C-25A4-460D-AFCA-4471E92D5168}" type="datetimeFigureOut">
               <a:rPr lang="en-IN" smtClean="0"/>
-              <a:t>17-03-2024</a:t>
+              <a:t>19-03-2024</a:t>
             </a:fld>
             <a:endParaRPr lang="en-IN"/>
           </a:p>
@@ -4378,7 +4383,7 @@
           <a:p>
             <a:fld id="{EDCD766C-25A4-460D-AFCA-4471E92D5168}" type="datetimeFigureOut">
               <a:rPr lang="en-IN" smtClean="0"/>
-              <a:t>17-03-2024</a:t>
+              <a:t>19-03-2024</a:t>
             </a:fld>
             <a:endParaRPr lang="en-IN"/>
           </a:p>
@@ -4503,7 +4508,7 @@
           <a:p>
             <a:fld id="{EDCD766C-25A4-460D-AFCA-4471E92D5168}" type="datetimeFigureOut">
               <a:rPr lang="en-IN" smtClean="0"/>
-              <a:t>17-03-2024</a:t>
+              <a:t>19-03-2024</a:t>
             </a:fld>
             <a:endParaRPr lang="en-IN"/>
           </a:p>
@@ -4788,7 +4793,7 @@
           <a:p>
             <a:fld id="{EDCD766C-25A4-460D-AFCA-4471E92D5168}" type="datetimeFigureOut">
               <a:rPr lang="en-IN" smtClean="0"/>
-              <a:t>17-03-2024</a:t>
+              <a:t>19-03-2024</a:t>
             </a:fld>
             <a:endParaRPr lang="en-IN"/>
           </a:p>
@@ -5112,7 +5117,7 @@
           <a:p>
             <a:fld id="{EDCD766C-25A4-460D-AFCA-4471E92D5168}" type="datetimeFigureOut">
               <a:rPr lang="en-IN" smtClean="0"/>
-              <a:t>17-03-2024</a:t>
+              <a:t>19-03-2024</a:t>
             </a:fld>
             <a:endParaRPr lang="en-IN"/>
           </a:p>
@@ -5326,7 +5331,7 @@
           <a:p>
             <a:fld id="{EDCD766C-25A4-460D-AFCA-4471E92D5168}" type="datetimeFigureOut">
               <a:rPr lang="en-IN" smtClean="0"/>
-              <a:t>17-03-2024</a:t>
+              <a:t>19-03-2024</a:t>
             </a:fld>
             <a:endParaRPr lang="en-IN"/>
           </a:p>

--- a/Google Cloud Platform.pptx
+++ b/Google Cloud Platform.pptx
@@ -14,14 +14,20 @@
     <p:sldId id="265" r:id="rId8"/>
     <p:sldId id="266" r:id="rId9"/>
     <p:sldId id="261" r:id="rId10"/>
-    <p:sldId id="268" r:id="rId11"/>
-    <p:sldId id="267" r:id="rId12"/>
+    <p:sldId id="267" r:id="rId11"/>
+    <p:sldId id="268" r:id="rId12"/>
     <p:sldId id="269" r:id="rId13"/>
-    <p:sldId id="270" r:id="rId14"/>
-    <p:sldId id="271" r:id="rId15"/>
+    <p:sldId id="271" r:id="rId14"/>
+    <p:sldId id="270" r:id="rId15"/>
     <p:sldId id="272" r:id="rId16"/>
     <p:sldId id="273" r:id="rId17"/>
     <p:sldId id="262" r:id="rId18"/>
+    <p:sldId id="274" r:id="rId19"/>
+    <p:sldId id="275" r:id="rId20"/>
+    <p:sldId id="277" r:id="rId21"/>
+    <p:sldId id="278" r:id="rId22"/>
+    <p:sldId id="276" r:id="rId23"/>
+    <p:sldId id="279" r:id="rId24"/>
   </p:sldIdLst>
   <p:sldSz cx="12192000" cy="6858000"/>
   <p:notesSz cx="6858000" cy="9144000"/>
@@ -357,7 +363,7 @@
           <a:p>
             <a:fld id="{EDCD766C-25A4-460D-AFCA-4471E92D5168}" type="datetimeFigureOut">
               <a:rPr lang="en-IN" smtClean="0"/>
-              <a:t>19-03-2024</a:t>
+              <a:t>21-03-2024</a:t>
             </a:fld>
             <a:endParaRPr lang="en-IN"/>
           </a:p>
@@ -691,7 +697,7 @@
           <a:p>
             <a:fld id="{EDCD766C-25A4-460D-AFCA-4471E92D5168}" type="datetimeFigureOut">
               <a:rPr lang="en-IN" smtClean="0"/>
-              <a:t>19-03-2024</a:t>
+              <a:t>21-03-2024</a:t>
             </a:fld>
             <a:endParaRPr lang="en-IN"/>
           </a:p>
@@ -969,7 +975,7 @@
           <a:p>
             <a:fld id="{EDCD766C-25A4-460D-AFCA-4471E92D5168}" type="datetimeFigureOut">
               <a:rPr lang="en-IN" smtClean="0"/>
-              <a:t>19-03-2024</a:t>
+              <a:t>21-03-2024</a:t>
             </a:fld>
             <a:endParaRPr lang="en-IN"/>
           </a:p>
@@ -1537,7 +1543,7 @@
           <a:p>
             <a:fld id="{EDCD766C-25A4-460D-AFCA-4471E92D5168}" type="datetimeFigureOut">
               <a:rPr lang="en-IN" smtClean="0"/>
-              <a:t>19-03-2024</a:t>
+              <a:t>21-03-2024</a:t>
             </a:fld>
             <a:endParaRPr lang="en-IN"/>
           </a:p>
@@ -1815,7 +1821,7 @@
           <a:p>
             <a:fld id="{EDCD766C-25A4-460D-AFCA-4471E92D5168}" type="datetimeFigureOut">
               <a:rPr lang="en-IN" smtClean="0"/>
-              <a:t>19-03-2024</a:t>
+              <a:t>21-03-2024</a:t>
             </a:fld>
             <a:endParaRPr lang="en-IN"/>
           </a:p>
@@ -2377,7 +2383,7 @@
           <a:p>
             <a:fld id="{EDCD766C-25A4-460D-AFCA-4471E92D5168}" type="datetimeFigureOut">
               <a:rPr lang="en-IN" smtClean="0"/>
-              <a:t>19-03-2024</a:t>
+              <a:t>21-03-2024</a:t>
             </a:fld>
             <a:endParaRPr lang="en-IN"/>
           </a:p>
@@ -2704,7 +2710,7 @@
           <a:p>
             <a:fld id="{EDCD766C-25A4-460D-AFCA-4471E92D5168}" type="datetimeFigureOut">
               <a:rPr lang="en-IN" smtClean="0"/>
-              <a:t>19-03-2024</a:t>
+              <a:t>21-03-2024</a:t>
             </a:fld>
             <a:endParaRPr lang="en-IN"/>
           </a:p>
@@ -2881,7 +2887,7 @@
           <a:p>
             <a:fld id="{EDCD766C-25A4-460D-AFCA-4471E92D5168}" type="datetimeFigureOut">
               <a:rPr lang="en-IN" smtClean="0"/>
-              <a:t>19-03-2024</a:t>
+              <a:t>21-03-2024</a:t>
             </a:fld>
             <a:endParaRPr lang="en-IN"/>
           </a:p>
@@ -3119,7 +3125,7 @@
           <a:p>
             <a:fld id="{EDCD766C-25A4-460D-AFCA-4471E92D5168}" type="datetimeFigureOut">
               <a:rPr lang="en-IN" smtClean="0"/>
-              <a:t>19-03-2024</a:t>
+              <a:t>21-03-2024</a:t>
             </a:fld>
             <a:endParaRPr lang="en-IN"/>
           </a:p>
@@ -3319,7 +3325,7 @@
           <a:p>
             <a:fld id="{EDCD766C-25A4-460D-AFCA-4471E92D5168}" type="datetimeFigureOut">
               <a:rPr lang="en-IN" smtClean="0"/>
-              <a:t>19-03-2024</a:t>
+              <a:t>21-03-2024</a:t>
             </a:fld>
             <a:endParaRPr lang="en-IN"/>
           </a:p>
@@ -3595,7 +3601,7 @@
           <a:p>
             <a:fld id="{EDCD766C-25A4-460D-AFCA-4471E92D5168}" type="datetimeFigureOut">
               <a:rPr lang="en-IN" smtClean="0"/>
-              <a:t>19-03-2024</a:t>
+              <a:t>21-03-2024</a:t>
             </a:fld>
             <a:endParaRPr lang="en-IN"/>
           </a:p>
@@ -3861,7 +3867,7 @@
           <a:p>
             <a:fld id="{EDCD766C-25A4-460D-AFCA-4471E92D5168}" type="datetimeFigureOut">
               <a:rPr lang="en-IN" smtClean="0"/>
-              <a:t>19-03-2024</a:t>
+              <a:t>21-03-2024</a:t>
             </a:fld>
             <a:endParaRPr lang="en-IN"/>
           </a:p>
@@ -4235,7 +4241,7 @@
           <a:p>
             <a:fld id="{EDCD766C-25A4-460D-AFCA-4471E92D5168}" type="datetimeFigureOut">
               <a:rPr lang="en-IN" smtClean="0"/>
-              <a:t>19-03-2024</a:t>
+              <a:t>21-03-2024</a:t>
             </a:fld>
             <a:endParaRPr lang="en-IN"/>
           </a:p>
@@ -4383,7 +4389,7 @@
           <a:p>
             <a:fld id="{EDCD766C-25A4-460D-AFCA-4471E92D5168}" type="datetimeFigureOut">
               <a:rPr lang="en-IN" smtClean="0"/>
-              <a:t>19-03-2024</a:t>
+              <a:t>21-03-2024</a:t>
             </a:fld>
             <a:endParaRPr lang="en-IN"/>
           </a:p>
@@ -4508,7 +4514,7 @@
           <a:p>
             <a:fld id="{EDCD766C-25A4-460D-AFCA-4471E92D5168}" type="datetimeFigureOut">
               <a:rPr lang="en-IN" smtClean="0"/>
-              <a:t>19-03-2024</a:t>
+              <a:t>21-03-2024</a:t>
             </a:fld>
             <a:endParaRPr lang="en-IN"/>
           </a:p>
@@ -4793,7 +4799,7 @@
           <a:p>
             <a:fld id="{EDCD766C-25A4-460D-AFCA-4471E92D5168}" type="datetimeFigureOut">
               <a:rPr lang="en-IN" smtClean="0"/>
-              <a:t>19-03-2024</a:t>
+              <a:t>21-03-2024</a:t>
             </a:fld>
             <a:endParaRPr lang="en-IN"/>
           </a:p>
@@ -5117,7 +5123,7 @@
           <a:p>
             <a:fld id="{EDCD766C-25A4-460D-AFCA-4471E92D5168}" type="datetimeFigureOut">
               <a:rPr lang="en-IN" smtClean="0"/>
-              <a:t>19-03-2024</a:t>
+              <a:t>21-03-2024</a:t>
             </a:fld>
             <a:endParaRPr lang="en-IN"/>
           </a:p>
@@ -5331,7 +5337,7 @@
           <a:p>
             <a:fld id="{EDCD766C-25A4-460D-AFCA-4471E92D5168}" type="datetimeFigureOut">
               <a:rPr lang="en-IN" smtClean="0"/>
-              <a:t>19-03-2024</a:t>
+              <a:t>21-03-2024</a:t>
             </a:fld>
             <a:endParaRPr lang="en-IN"/>
           </a:p>
@@ -5902,151 +5908,70 @@
           <a:chExt cx="0" cy="0"/>
         </a:xfrm>
       </p:grpSpPr>
-      <p:sp>
-        <p:nvSpPr>
-          <p:cNvPr id="3" name="TextBox 2">
+      <p:pic>
+        <p:nvPicPr>
+          <p:cNvPr id="3" name="Picture 2">
             <a:extLst>
               <a:ext uri="{FF2B5EF4-FFF2-40B4-BE49-F238E27FC236}">
-                <a16:creationId xmlns:a16="http://schemas.microsoft.com/office/drawing/2014/main" id="{397A8801-05E0-E9AE-0F46-DB078DBBA1DE}"/>
+                <a16:creationId xmlns:a16="http://schemas.microsoft.com/office/drawing/2014/main" id="{82093FDC-8A24-E7D0-9146-C8EAB2C13CF7}"/>
               </a:ext>
             </a:extLst>
           </p:cNvPr>
-          <p:cNvSpPr txBox="1"/>
+          <p:cNvPicPr>
+            <a:picLocks noChangeAspect="1"/>
+          </p:cNvPicPr>
           <p:nvPr/>
-        </p:nvSpPr>
-        <p:spPr>
-          <a:xfrm>
-            <a:off x="234870" y="887576"/>
-            <a:ext cx="11548158" cy="4832092"/>
+        </p:nvPicPr>
+        <p:blipFill>
+          <a:blip r:embed="rId2"/>
+          <a:stretch>
+            <a:fillRect/>
+          </a:stretch>
+        </p:blipFill>
+        <p:spPr>
+          <a:xfrm>
+            <a:off x="1074781" y="670044"/>
+            <a:ext cx="9550777" cy="3460300"/>
           </a:xfrm>
           <a:prstGeom prst="rect">
             <a:avLst/>
           </a:prstGeom>
-          <a:noFill/>
-        </p:spPr>
-        <p:txBody>
-          <a:bodyPr wrap="square">
-            <a:spAutoFit/>
-          </a:bodyPr>
-          <a:lstStyle/>
-          <a:p>
-            <a:pPr marL="457200" indent="-457200">
-              <a:buFont typeface="Arial" panose="020B0604020202020204" pitchFamily="34" charset="0"/>
-              <a:buChar char="•"/>
-            </a:pPr>
-            <a:r>
-              <a:rPr lang="en-US" sz="2800" b="0" i="0" dirty="0">
-                <a:solidFill>
-                  <a:schemeClr val="tx1">
-                    <a:lumMod val="95000"/>
-                  </a:schemeClr>
-                </a:solidFill>
-                <a:effectLst/>
-                <a:latin typeface="Roboto" panose="02000000000000000000" pitchFamily="2" charset="0"/>
-              </a:rPr>
-              <a:t>Dataflow is a Google Cloud service that provides unified stream and batch data processing at scale. </a:t>
-            </a:r>
-          </a:p>
-          <a:p>
-            <a:pPr marL="457200" indent="-457200">
-              <a:buFont typeface="Arial" panose="020B0604020202020204" pitchFamily="34" charset="0"/>
-              <a:buChar char="•"/>
-            </a:pPr>
-            <a:r>
-              <a:rPr lang="en-US" sz="2800" b="0" i="0" dirty="0">
-                <a:solidFill>
-                  <a:schemeClr val="tx1">
-                    <a:lumMod val="95000"/>
-                  </a:schemeClr>
-                </a:solidFill>
-                <a:effectLst/>
-                <a:latin typeface="Roboto" panose="02000000000000000000" pitchFamily="2" charset="0"/>
-              </a:rPr>
-              <a:t>Use Dataflow to create data pipelines that read from one or more sources, transform the data, and write the data to a destination</a:t>
-            </a:r>
-          </a:p>
-          <a:p>
-            <a:pPr marL="457200" indent="-457200">
-              <a:buFont typeface="Arial" panose="020B0604020202020204" pitchFamily="34" charset="0"/>
-              <a:buChar char="•"/>
-            </a:pPr>
-            <a:endParaRPr lang="en-US" sz="2800" dirty="0">
-              <a:solidFill>
-                <a:schemeClr val="tx1">
-                  <a:lumMod val="95000"/>
-                </a:schemeClr>
-              </a:solidFill>
-              <a:latin typeface="Roboto" panose="02000000000000000000" pitchFamily="2" charset="0"/>
-            </a:endParaRPr>
-          </a:p>
-          <a:p>
-            <a:r>
-              <a:rPr lang="en-US" sz="2800" dirty="0">
-                <a:solidFill>
-                  <a:schemeClr val="tx1">
-                    <a:lumMod val="95000"/>
-                  </a:schemeClr>
-                </a:solidFill>
-                <a:latin typeface="Roboto" panose="02000000000000000000" pitchFamily="2" charset="0"/>
-              </a:rPr>
-              <a:t>Managed :</a:t>
-            </a:r>
-          </a:p>
-          <a:p>
-            <a:endParaRPr lang="en-US" sz="2800" dirty="0">
-              <a:solidFill>
-                <a:schemeClr val="tx1">
-                  <a:lumMod val="95000"/>
-                </a:schemeClr>
-              </a:solidFill>
-              <a:latin typeface="Roboto" panose="02000000000000000000" pitchFamily="2" charset="0"/>
-            </a:endParaRPr>
-          </a:p>
-          <a:p>
-            <a:pPr marL="457200" indent="-457200">
-              <a:buFont typeface="Arial" panose="020B0604020202020204" pitchFamily="34" charset="0"/>
-              <a:buChar char="•"/>
-            </a:pPr>
-            <a:r>
-              <a:rPr lang="en-US" sz="2800" b="0" i="0" dirty="0">
-                <a:solidFill>
-                  <a:schemeClr val="tx1">
-                    <a:lumMod val="95000"/>
-                  </a:schemeClr>
-                </a:solidFill>
-                <a:effectLst/>
-                <a:latin typeface="Roboto" panose="02000000000000000000" pitchFamily="2" charset="0"/>
-              </a:rPr>
-              <a:t>That means Google manages all of the resources needed to run Dataflow. When you run a Dataflow job, the Dataflow service allocates a pool of worker VMs to execute the pipeline. </a:t>
-            </a:r>
-            <a:endParaRPr lang="en-US" sz="2800" dirty="0">
-              <a:solidFill>
-                <a:schemeClr val="tx1">
-                  <a:lumMod val="95000"/>
-                </a:schemeClr>
-              </a:solidFill>
-              <a:latin typeface="Roboto" panose="02000000000000000000" pitchFamily="2" charset="0"/>
-            </a:endParaRPr>
-          </a:p>
-          <a:p>
-            <a:pPr marL="457200" indent="-457200">
-              <a:buFont typeface="Arial" panose="020B0604020202020204" pitchFamily="34" charset="0"/>
-              <a:buChar char="•"/>
-            </a:pPr>
-            <a:endParaRPr lang="en-IN" sz="2800" dirty="0">
-              <a:solidFill>
-                <a:schemeClr val="tx1">
-                  <a:lumMod val="95000"/>
-                </a:schemeClr>
-              </a:solidFill>
-            </a:endParaRPr>
-          </a:p>
-        </p:txBody>
-      </p:sp>
+        </p:spPr>
+      </p:pic>
+      <p:pic>
+        <p:nvPicPr>
+          <p:cNvPr id="5" name="Picture 4">
+            <a:extLst>
+              <a:ext uri="{FF2B5EF4-FFF2-40B4-BE49-F238E27FC236}">
+                <a16:creationId xmlns:a16="http://schemas.microsoft.com/office/drawing/2014/main" id="{5B4A819B-BAF2-3B74-80FA-438667DBD088}"/>
+              </a:ext>
+            </a:extLst>
+          </p:cNvPr>
+          <p:cNvPicPr>
+            <a:picLocks noChangeAspect="1"/>
+          </p:cNvPicPr>
+          <p:nvPr/>
+        </p:nvPicPr>
+        <p:blipFill>
+          <a:blip r:embed="rId3"/>
+          <a:stretch>
+            <a:fillRect/>
+          </a:stretch>
+        </p:blipFill>
+        <p:spPr>
+          <a:xfrm>
+            <a:off x="595404" y="4501918"/>
+            <a:ext cx="10768564" cy="1686038"/>
+          </a:xfrm>
+          <a:prstGeom prst="rect">
+            <a:avLst/>
+          </a:prstGeom>
+        </p:spPr>
+      </p:pic>
     </p:spTree>
     <p:extLst>
       <p:ext uri="{BB962C8B-B14F-4D97-AF65-F5344CB8AC3E}">
-        <p14:creationId xmlns:p14="http://schemas.microsoft.com/office/powerpoint/2010/main" val="1608704506"/>
+        <p14:creationId xmlns:p14="http://schemas.microsoft.com/office/powerpoint/2010/main" val="500309682"/>
       </p:ext>
     </p:extLst>
   </p:cSld>
@@ -6073,70 +5998,151 @@
           <a:chExt cx="0" cy="0"/>
         </a:xfrm>
       </p:grpSpPr>
-      <p:pic>
-        <p:nvPicPr>
-          <p:cNvPr id="3" name="Picture 2">
+      <p:sp>
+        <p:nvSpPr>
+          <p:cNvPr id="3" name="TextBox 2">
             <a:extLst>
               <a:ext uri="{FF2B5EF4-FFF2-40B4-BE49-F238E27FC236}">
-                <a16:creationId xmlns:a16="http://schemas.microsoft.com/office/drawing/2014/main" id="{82093FDC-8A24-E7D0-9146-C8EAB2C13CF7}"/>
+                <a16:creationId xmlns:a16="http://schemas.microsoft.com/office/drawing/2014/main" id="{397A8801-05E0-E9AE-0F46-DB078DBBA1DE}"/>
               </a:ext>
             </a:extLst>
           </p:cNvPr>
-          <p:cNvPicPr>
-            <a:picLocks noChangeAspect="1"/>
-          </p:cNvPicPr>
+          <p:cNvSpPr txBox="1"/>
           <p:nvPr/>
-        </p:nvPicPr>
-        <p:blipFill>
-          <a:blip r:embed="rId2"/>
-          <a:stretch>
-            <a:fillRect/>
-          </a:stretch>
-        </p:blipFill>
-        <p:spPr>
-          <a:xfrm>
-            <a:off x="1074781" y="670044"/>
-            <a:ext cx="9550777" cy="3460300"/>
+        </p:nvSpPr>
+        <p:spPr>
+          <a:xfrm>
+            <a:off x="234870" y="887576"/>
+            <a:ext cx="11548158" cy="4832092"/>
           </a:xfrm>
           <a:prstGeom prst="rect">
             <a:avLst/>
           </a:prstGeom>
-        </p:spPr>
-      </p:pic>
-      <p:pic>
-        <p:nvPicPr>
-          <p:cNvPr id="5" name="Picture 4">
-            <a:extLst>
-              <a:ext uri="{FF2B5EF4-FFF2-40B4-BE49-F238E27FC236}">
-                <a16:creationId xmlns:a16="http://schemas.microsoft.com/office/drawing/2014/main" id="{5B4A819B-BAF2-3B74-80FA-438667DBD088}"/>
-              </a:ext>
-            </a:extLst>
-          </p:cNvPr>
-          <p:cNvPicPr>
-            <a:picLocks noChangeAspect="1"/>
-          </p:cNvPicPr>
-          <p:nvPr/>
-        </p:nvPicPr>
-        <p:blipFill>
-          <a:blip r:embed="rId3"/>
-          <a:stretch>
-            <a:fillRect/>
-          </a:stretch>
-        </p:blipFill>
-        <p:spPr>
-          <a:xfrm>
-            <a:off x="595404" y="4501918"/>
-            <a:ext cx="10768564" cy="1686038"/>
-          </a:xfrm>
-          <a:prstGeom prst="rect">
-            <a:avLst/>
-          </a:prstGeom>
-        </p:spPr>
-      </p:pic>
+          <a:noFill/>
+        </p:spPr>
+        <p:txBody>
+          <a:bodyPr wrap="square">
+            <a:spAutoFit/>
+          </a:bodyPr>
+          <a:lstStyle/>
+          <a:p>
+            <a:pPr marL="457200" indent="-457200">
+              <a:buFont typeface="Arial" panose="020B0604020202020204" pitchFamily="34" charset="0"/>
+              <a:buChar char="•"/>
+            </a:pPr>
+            <a:r>
+              <a:rPr lang="en-US" sz="2800" b="0" i="0" dirty="0">
+                <a:solidFill>
+                  <a:schemeClr val="tx1">
+                    <a:lumMod val="95000"/>
+                  </a:schemeClr>
+                </a:solidFill>
+                <a:effectLst/>
+                <a:latin typeface="Roboto" panose="02000000000000000000" pitchFamily="2" charset="0"/>
+              </a:rPr>
+              <a:t>Dataflow is a Google Cloud service that provides unified stream and batch data processing at scale. </a:t>
+            </a:r>
+          </a:p>
+          <a:p>
+            <a:pPr marL="457200" indent="-457200">
+              <a:buFont typeface="Arial" panose="020B0604020202020204" pitchFamily="34" charset="0"/>
+              <a:buChar char="•"/>
+            </a:pPr>
+            <a:r>
+              <a:rPr lang="en-US" sz="2800" b="0" i="0" dirty="0">
+                <a:solidFill>
+                  <a:schemeClr val="tx1">
+                    <a:lumMod val="95000"/>
+                  </a:schemeClr>
+                </a:solidFill>
+                <a:effectLst/>
+                <a:latin typeface="Roboto" panose="02000000000000000000" pitchFamily="2" charset="0"/>
+              </a:rPr>
+              <a:t>Use Dataflow to create data pipelines that read from one or more sources, transform the data, and write the data to a destination</a:t>
+            </a:r>
+          </a:p>
+          <a:p>
+            <a:pPr marL="457200" indent="-457200">
+              <a:buFont typeface="Arial" panose="020B0604020202020204" pitchFamily="34" charset="0"/>
+              <a:buChar char="•"/>
+            </a:pPr>
+            <a:endParaRPr lang="en-US" sz="2800" dirty="0">
+              <a:solidFill>
+                <a:schemeClr val="tx1">
+                  <a:lumMod val="95000"/>
+                </a:schemeClr>
+              </a:solidFill>
+              <a:latin typeface="Roboto" panose="02000000000000000000" pitchFamily="2" charset="0"/>
+            </a:endParaRPr>
+          </a:p>
+          <a:p>
+            <a:r>
+              <a:rPr lang="en-US" sz="2800" dirty="0">
+                <a:solidFill>
+                  <a:schemeClr val="tx1">
+                    <a:lumMod val="95000"/>
+                  </a:schemeClr>
+                </a:solidFill>
+                <a:latin typeface="Roboto" panose="02000000000000000000" pitchFamily="2" charset="0"/>
+              </a:rPr>
+              <a:t>Managed :</a:t>
+            </a:r>
+          </a:p>
+          <a:p>
+            <a:endParaRPr lang="en-US" sz="2800" dirty="0">
+              <a:solidFill>
+                <a:schemeClr val="tx1">
+                  <a:lumMod val="95000"/>
+                </a:schemeClr>
+              </a:solidFill>
+              <a:latin typeface="Roboto" panose="02000000000000000000" pitchFamily="2" charset="0"/>
+            </a:endParaRPr>
+          </a:p>
+          <a:p>
+            <a:pPr marL="457200" indent="-457200">
+              <a:buFont typeface="Arial" panose="020B0604020202020204" pitchFamily="34" charset="0"/>
+              <a:buChar char="•"/>
+            </a:pPr>
+            <a:r>
+              <a:rPr lang="en-US" sz="2800" b="0" i="0" dirty="0">
+                <a:solidFill>
+                  <a:schemeClr val="tx1">
+                    <a:lumMod val="95000"/>
+                  </a:schemeClr>
+                </a:solidFill>
+                <a:effectLst/>
+                <a:latin typeface="Roboto" panose="02000000000000000000" pitchFamily="2" charset="0"/>
+              </a:rPr>
+              <a:t>That means Google manages all of the resources needed to run Dataflow. When you run a Dataflow job, the Dataflow service allocates a pool of worker VMs to execute the pipeline. </a:t>
+            </a:r>
+            <a:endParaRPr lang="en-US" sz="2800" dirty="0">
+              <a:solidFill>
+                <a:schemeClr val="tx1">
+                  <a:lumMod val="95000"/>
+                </a:schemeClr>
+              </a:solidFill>
+              <a:latin typeface="Roboto" panose="02000000000000000000" pitchFamily="2" charset="0"/>
+            </a:endParaRPr>
+          </a:p>
+          <a:p>
+            <a:pPr marL="457200" indent="-457200">
+              <a:buFont typeface="Arial" panose="020B0604020202020204" pitchFamily="34" charset="0"/>
+              <a:buChar char="•"/>
+            </a:pPr>
+            <a:endParaRPr lang="en-IN" sz="2800" dirty="0">
+              <a:solidFill>
+                <a:schemeClr val="tx1">
+                  <a:lumMod val="95000"/>
+                </a:schemeClr>
+              </a:solidFill>
+            </a:endParaRPr>
+          </a:p>
+        </p:txBody>
+      </p:sp>
     </p:spTree>
     <p:extLst>
       <p:ext uri="{BB962C8B-B14F-4D97-AF65-F5344CB8AC3E}">
-        <p14:creationId xmlns:p14="http://schemas.microsoft.com/office/powerpoint/2010/main" val="500309682"/>
+        <p14:creationId xmlns:p14="http://schemas.microsoft.com/office/powerpoint/2010/main" val="1608704506"/>
       </p:ext>
     </p:extLst>
   </p:cSld>
@@ -6399,7 +6405,7 @@
           <p:cNvPr id="3" name="TextBox 2">
             <a:extLst>
               <a:ext uri="{FF2B5EF4-FFF2-40B4-BE49-F238E27FC236}">
-                <a16:creationId xmlns:a16="http://schemas.microsoft.com/office/drawing/2014/main" id="{3B11E436-7FE5-65F5-5A3B-E5DED2E95943}"/>
+                <a16:creationId xmlns:a16="http://schemas.microsoft.com/office/drawing/2014/main" id="{9609A1F6-C24F-384D-B2FB-F599F4EF642C}"/>
               </a:ext>
             </a:extLst>
           </p:cNvPr>
@@ -6408,8 +6414,8 @@
         </p:nvSpPr>
         <p:spPr>
           <a:xfrm>
-            <a:off x="627926" y="550723"/>
-            <a:ext cx="9025359" cy="369332"/>
+            <a:off x="358815" y="543909"/>
+            <a:ext cx="11539960" cy="5262979"/>
           </a:xfrm>
           <a:prstGeom prst="rect">
             <a:avLst/>
@@ -6422,82 +6428,9 @@
           </a:bodyPr>
           <a:lstStyle/>
           <a:p>
-            <a:r>
-              <a:rPr lang="en-IN" dirty="0"/>
-              <a:t>https://cloud.google.com/dataflow/docs/guides/interactive-pipeline-development</a:t>
-            </a:r>
-          </a:p>
-        </p:txBody>
-      </p:sp>
-      <p:sp>
-        <p:nvSpPr>
-          <p:cNvPr id="4" name="TextBox 3">
-            <a:extLst>
-              <a:ext uri="{FF2B5EF4-FFF2-40B4-BE49-F238E27FC236}">
-                <a16:creationId xmlns:a16="http://schemas.microsoft.com/office/drawing/2014/main" id="{57059AEF-299C-C7AA-D992-23F37BF545BA}"/>
-              </a:ext>
-            </a:extLst>
-          </p:cNvPr>
-          <p:cNvSpPr txBox="1"/>
-          <p:nvPr/>
-        </p:nvSpPr>
-        <p:spPr>
-          <a:xfrm>
-            <a:off x="787078" y="1261641"/>
-            <a:ext cx="2186817" cy="523220"/>
-          </a:xfrm>
-          <a:prstGeom prst="rect">
-            <a:avLst/>
-          </a:prstGeom>
-          <a:noFill/>
-        </p:spPr>
-        <p:txBody>
-          <a:bodyPr wrap="none" rtlCol="0">
-            <a:spAutoFit/>
-          </a:bodyPr>
-          <a:lstStyle/>
-          <a:p>
-            <a:r>
-              <a:rPr lang="en-IN" sz="2800" dirty="0"/>
-              <a:t>Apache Beam</a:t>
-            </a:r>
-          </a:p>
-        </p:txBody>
-      </p:sp>
-      <p:sp>
-        <p:nvSpPr>
-          <p:cNvPr id="5" name="TextBox 4">
-            <a:extLst>
-              <a:ext uri="{FF2B5EF4-FFF2-40B4-BE49-F238E27FC236}">
-                <a16:creationId xmlns:a16="http://schemas.microsoft.com/office/drawing/2014/main" id="{7F04F0F7-58F7-6139-4CAD-2FF748AB880E}"/>
-              </a:ext>
-            </a:extLst>
-          </p:cNvPr>
-          <p:cNvSpPr txBox="1"/>
-          <p:nvPr/>
-        </p:nvSpPr>
-        <p:spPr>
-          <a:xfrm>
-            <a:off x="787079" y="2126447"/>
-            <a:ext cx="10590836" cy="2246769"/>
-          </a:xfrm>
-          <a:prstGeom prst="rect">
-            <a:avLst/>
-          </a:prstGeom>
-          <a:noFill/>
-        </p:spPr>
-        <p:txBody>
-          <a:bodyPr wrap="square" rtlCol="0">
-            <a:spAutoFit/>
-          </a:bodyPr>
-          <a:lstStyle/>
-          <a:p>
-            <a:pPr marL="285750" indent="-285750">
-              <a:buFont typeface="Arial" panose="020B0604020202020204" pitchFamily="34" charset="0"/>
-              <a:buChar char="•"/>
-            </a:pPr>
-            <a:r>
-              <a:rPr lang="en-US" sz="2000" b="0" i="0" dirty="0">
+            <a:pPr algn="l"/>
+            <a:r>
+              <a:rPr lang="en-US" sz="2800" b="0" i="0" dirty="0">
                 <a:solidFill>
                   <a:schemeClr val="tx1">
                     <a:lumMod val="95000"/>
@@ -6506,16 +6439,16 @@
                 <a:effectLst/>
                 <a:latin typeface="Roboto" panose="02000000000000000000" pitchFamily="2" charset="0"/>
               </a:rPr>
-              <a:t>The Apache Beam programming model simplifies the mechanics of large-scale data processing.</a:t>
-            </a:r>
-          </a:p>
-          <a:p>
-            <a:pPr marL="285750" indent="-285750">
-              <a:buFont typeface="Arial" panose="020B0604020202020204" pitchFamily="34" charset="0"/>
-              <a:buChar char="•"/>
+              <a:t>To run an Apache Beam pipeline using Dataflow, perform the following steps:</a:t>
+            </a:r>
+          </a:p>
+          <a:p>
+            <a:pPr marL="514350" indent="-514350" algn="l">
+              <a:buFont typeface="+mj-lt"/>
+              <a:buAutoNum type="arabicPeriod"/>
             </a:pPr>
             <a:r>
-              <a:rPr lang="en-US" sz="2000" b="0" i="0" dirty="0">
+              <a:rPr lang="en-US" sz="2800" b="0" i="0" dirty="0">
                 <a:solidFill>
                   <a:schemeClr val="tx1">
                     <a:lumMod val="95000"/>
@@ -6524,16 +6457,16 @@
                 <a:effectLst/>
                 <a:latin typeface="Roboto" panose="02000000000000000000" pitchFamily="2" charset="0"/>
               </a:rPr>
-              <a:t> Using one of the Apache Beam SDKs, you build a program that defines the pipeline. </a:t>
-            </a:r>
-          </a:p>
-          <a:p>
-            <a:pPr marL="285750" indent="-285750">
-              <a:buFont typeface="Arial" panose="020B0604020202020204" pitchFamily="34" charset="0"/>
-              <a:buChar char="•"/>
+              <a:t>Use the Apache Beam SDK to define and build the pipeline. Alternatively, you can deploy a prebuilt pipeline by using a Dataflow template.</a:t>
+            </a:r>
+          </a:p>
+          <a:p>
+            <a:pPr marL="514350" indent="-514350" algn="l">
+              <a:buFont typeface="+mj-lt"/>
+              <a:buAutoNum type="arabicPeriod"/>
             </a:pPr>
             <a:r>
-              <a:rPr lang="en-US" sz="2000" b="0" i="0" dirty="0">
+              <a:rPr lang="en-US" sz="2800" b="0" i="0" dirty="0">
                 <a:solidFill>
                   <a:schemeClr val="tx1">
                     <a:lumMod val="95000"/>
@@ -6542,22 +6475,16 @@
                 <a:effectLst/>
                 <a:latin typeface="Roboto" panose="02000000000000000000" pitchFamily="2" charset="0"/>
               </a:rPr>
-              <a:t>Then, you execute the pipeline on a specific platform such as Dataflow. </a:t>
-            </a:r>
-          </a:p>
-          <a:p>
-            <a:endParaRPr lang="en-US" sz="2000" dirty="0">
-              <a:solidFill>
-                <a:schemeClr val="tx1">
-                  <a:lumMod val="95000"/>
-                </a:schemeClr>
-              </a:solidFill>
-              <a:latin typeface="Roboto" panose="02000000000000000000" pitchFamily="2" charset="0"/>
-            </a:endParaRPr>
-          </a:p>
-          <a:p>
-            <a:r>
-              <a:rPr lang="en-US" sz="2000" b="0" i="0" dirty="0">
+              <a:t>Use Dataflow to run the pipeline. Dataflow allocates a pool of VMs to run the job, deploys the code to the VMs, and orchestrates running the job.</a:t>
+            </a:r>
+          </a:p>
+          <a:p>
+            <a:pPr marL="514350" indent="-514350" algn="l">
+              <a:buFont typeface="+mj-lt"/>
+              <a:buAutoNum type="arabicPeriod"/>
+            </a:pPr>
+            <a:r>
+              <a:rPr lang="en-US" sz="2800" b="0" i="0" dirty="0">
                 <a:solidFill>
                   <a:schemeClr val="tx1">
                     <a:lumMod val="95000"/>
@@ -6566,52 +6493,33 @@
                 <a:effectLst/>
                 <a:latin typeface="Roboto" panose="02000000000000000000" pitchFamily="2" charset="0"/>
               </a:rPr>
-              <a:t>This model lets you concentrate on the logical composition of your data processing job, rather than managing the orchestration of parallel processing. </a:t>
-            </a:r>
-            <a:endParaRPr lang="en-IN" sz="2000" dirty="0">
-              <a:solidFill>
-                <a:schemeClr val="tx1">
-                  <a:lumMod val="95000"/>
-                </a:schemeClr>
-              </a:solidFill>
-            </a:endParaRPr>
-          </a:p>
-        </p:txBody>
-      </p:sp>
-      <p:pic>
-        <p:nvPicPr>
-          <p:cNvPr id="7" name="Picture 6">
-            <a:extLst>
-              <a:ext uri="{FF2B5EF4-FFF2-40B4-BE49-F238E27FC236}">
-                <a16:creationId xmlns:a16="http://schemas.microsoft.com/office/drawing/2014/main" id="{1F7C7146-D2F6-0F90-89A8-E3FE7D977BC3}"/>
-              </a:ext>
-            </a:extLst>
-          </p:cNvPr>
-          <p:cNvPicPr>
-            <a:picLocks noChangeAspect="1"/>
-          </p:cNvPicPr>
-          <p:nvPr/>
-        </p:nvPicPr>
-        <p:blipFill>
-          <a:blip r:embed="rId2"/>
-          <a:stretch>
-            <a:fillRect/>
-          </a:stretch>
-        </p:blipFill>
-        <p:spPr>
-          <a:xfrm>
-            <a:off x="295278" y="4724423"/>
-            <a:ext cx="11601444" cy="1743871"/>
-          </a:xfrm>
-          <a:prstGeom prst="rect">
-            <a:avLst/>
-          </a:prstGeom>
-        </p:spPr>
-      </p:pic>
+              <a:t>Dataflow performs optimizations on the backend to make your pipeline run efficiently and take advantage of parallelization.</a:t>
+            </a:r>
+          </a:p>
+          <a:p>
+            <a:pPr marL="514350" indent="-514350" algn="l">
+              <a:buFont typeface="+mj-lt"/>
+              <a:buAutoNum type="arabicPeriod"/>
+            </a:pPr>
+            <a:r>
+              <a:rPr lang="en-US" sz="2800" b="0" i="0" dirty="0">
+                <a:solidFill>
+                  <a:schemeClr val="tx1">
+                    <a:lumMod val="95000"/>
+                  </a:schemeClr>
+                </a:solidFill>
+                <a:effectLst/>
+                <a:latin typeface="Roboto" panose="02000000000000000000" pitchFamily="2" charset="0"/>
+              </a:rPr>
+              <a:t>While a job is running and after it completes, use Dataflow management capabilities to monitor progress and troubleshoot.</a:t>
+            </a:r>
+          </a:p>
+        </p:txBody>
+      </p:sp>
     </p:spTree>
     <p:extLst>
       <p:ext uri="{BB962C8B-B14F-4D97-AF65-F5344CB8AC3E}">
-        <p14:creationId xmlns:p14="http://schemas.microsoft.com/office/powerpoint/2010/main" val="3452620521"/>
+        <p14:creationId xmlns:p14="http://schemas.microsoft.com/office/powerpoint/2010/main" val="2467107708"/>
       </p:ext>
     </p:extLst>
   </p:cSld>
@@ -6643,7 +6551,7 @@
           <p:cNvPr id="3" name="TextBox 2">
             <a:extLst>
               <a:ext uri="{FF2B5EF4-FFF2-40B4-BE49-F238E27FC236}">
-                <a16:creationId xmlns:a16="http://schemas.microsoft.com/office/drawing/2014/main" id="{9609A1F6-C24F-384D-B2FB-F599F4EF642C}"/>
+                <a16:creationId xmlns:a16="http://schemas.microsoft.com/office/drawing/2014/main" id="{3B11E436-7FE5-65F5-5A3B-E5DED2E95943}"/>
               </a:ext>
             </a:extLst>
           </p:cNvPr>
@@ -6652,8 +6560,8 @@
         </p:nvSpPr>
         <p:spPr>
           <a:xfrm>
-            <a:off x="358815" y="543909"/>
-            <a:ext cx="11539960" cy="5262979"/>
+            <a:off x="627926" y="550723"/>
+            <a:ext cx="9025359" cy="369332"/>
           </a:xfrm>
           <a:prstGeom prst="rect">
             <a:avLst/>
@@ -6666,9 +6574,82 @@
           </a:bodyPr>
           <a:lstStyle/>
           <a:p>
-            <a:pPr algn="l"/>
-            <a:r>
-              <a:rPr lang="en-US" sz="2800" b="0" i="0" dirty="0">
+            <a:r>
+              <a:rPr lang="en-IN" dirty="0"/>
+              <a:t>https://cloud.google.com/dataflow/docs/guides/interactive-pipeline-development</a:t>
+            </a:r>
+          </a:p>
+        </p:txBody>
+      </p:sp>
+      <p:sp>
+        <p:nvSpPr>
+          <p:cNvPr id="4" name="TextBox 3">
+            <a:extLst>
+              <a:ext uri="{FF2B5EF4-FFF2-40B4-BE49-F238E27FC236}">
+                <a16:creationId xmlns:a16="http://schemas.microsoft.com/office/drawing/2014/main" id="{57059AEF-299C-C7AA-D992-23F37BF545BA}"/>
+              </a:ext>
+            </a:extLst>
+          </p:cNvPr>
+          <p:cNvSpPr txBox="1"/>
+          <p:nvPr/>
+        </p:nvSpPr>
+        <p:spPr>
+          <a:xfrm>
+            <a:off x="787078" y="1261641"/>
+            <a:ext cx="2186817" cy="523220"/>
+          </a:xfrm>
+          <a:prstGeom prst="rect">
+            <a:avLst/>
+          </a:prstGeom>
+          <a:noFill/>
+        </p:spPr>
+        <p:txBody>
+          <a:bodyPr wrap="none" rtlCol="0">
+            <a:spAutoFit/>
+          </a:bodyPr>
+          <a:lstStyle/>
+          <a:p>
+            <a:r>
+              <a:rPr lang="en-IN" sz="2800" dirty="0"/>
+              <a:t>Apache Beam</a:t>
+            </a:r>
+          </a:p>
+        </p:txBody>
+      </p:sp>
+      <p:sp>
+        <p:nvSpPr>
+          <p:cNvPr id="5" name="TextBox 4">
+            <a:extLst>
+              <a:ext uri="{FF2B5EF4-FFF2-40B4-BE49-F238E27FC236}">
+                <a16:creationId xmlns:a16="http://schemas.microsoft.com/office/drawing/2014/main" id="{7F04F0F7-58F7-6139-4CAD-2FF748AB880E}"/>
+              </a:ext>
+            </a:extLst>
+          </p:cNvPr>
+          <p:cNvSpPr txBox="1"/>
+          <p:nvPr/>
+        </p:nvSpPr>
+        <p:spPr>
+          <a:xfrm>
+            <a:off x="787079" y="2126447"/>
+            <a:ext cx="10590836" cy="2246769"/>
+          </a:xfrm>
+          <a:prstGeom prst="rect">
+            <a:avLst/>
+          </a:prstGeom>
+          <a:noFill/>
+        </p:spPr>
+        <p:txBody>
+          <a:bodyPr wrap="square" rtlCol="0">
+            <a:spAutoFit/>
+          </a:bodyPr>
+          <a:lstStyle/>
+          <a:p>
+            <a:pPr marL="285750" indent="-285750">
+              <a:buFont typeface="Arial" panose="020B0604020202020204" pitchFamily="34" charset="0"/>
+              <a:buChar char="•"/>
+            </a:pPr>
+            <a:r>
+              <a:rPr lang="en-US" sz="2000" b="0" i="0" dirty="0">
                 <a:solidFill>
                   <a:schemeClr val="tx1">
                     <a:lumMod val="95000"/>
@@ -6677,16 +6658,16 @@
                 <a:effectLst/>
                 <a:latin typeface="Roboto" panose="02000000000000000000" pitchFamily="2" charset="0"/>
               </a:rPr>
-              <a:t>To run an Apache Beam pipeline using Dataflow, perform the following steps:</a:t>
-            </a:r>
-          </a:p>
-          <a:p>
-            <a:pPr marL="514350" indent="-514350" algn="l">
-              <a:buFont typeface="+mj-lt"/>
-              <a:buAutoNum type="arabicPeriod"/>
+              <a:t>The Apache Beam programming model simplifies the mechanics of large-scale data processing.</a:t>
+            </a:r>
+          </a:p>
+          <a:p>
+            <a:pPr marL="285750" indent="-285750">
+              <a:buFont typeface="Arial" panose="020B0604020202020204" pitchFamily="34" charset="0"/>
+              <a:buChar char="•"/>
             </a:pPr>
             <a:r>
-              <a:rPr lang="en-US" sz="2800" b="0" i="0" dirty="0">
+              <a:rPr lang="en-US" sz="2000" b="0" i="0" dirty="0">
                 <a:solidFill>
                   <a:schemeClr val="tx1">
                     <a:lumMod val="95000"/>
@@ -6695,16 +6676,16 @@
                 <a:effectLst/>
                 <a:latin typeface="Roboto" panose="02000000000000000000" pitchFamily="2" charset="0"/>
               </a:rPr>
-              <a:t>Use the Apache Beam SDK to define and build the pipeline. Alternatively, you can deploy a prebuilt pipeline by using a Dataflow template.</a:t>
-            </a:r>
-          </a:p>
-          <a:p>
-            <a:pPr marL="514350" indent="-514350" algn="l">
-              <a:buFont typeface="+mj-lt"/>
-              <a:buAutoNum type="arabicPeriod"/>
+              <a:t> Using one of the Apache Beam SDKs, you build a program that defines the pipeline. </a:t>
+            </a:r>
+          </a:p>
+          <a:p>
+            <a:pPr marL="285750" indent="-285750">
+              <a:buFont typeface="Arial" panose="020B0604020202020204" pitchFamily="34" charset="0"/>
+              <a:buChar char="•"/>
             </a:pPr>
             <a:r>
-              <a:rPr lang="en-US" sz="2800" b="0" i="0" dirty="0">
+              <a:rPr lang="en-US" sz="2000" b="0" i="0" dirty="0">
                 <a:solidFill>
                   <a:schemeClr val="tx1">
                     <a:lumMod val="95000"/>
@@ -6713,16 +6694,22 @@
                 <a:effectLst/>
                 <a:latin typeface="Roboto" panose="02000000000000000000" pitchFamily="2" charset="0"/>
               </a:rPr>
-              <a:t>Use Dataflow to run the pipeline. Dataflow allocates a pool of VMs to run the job, deploys the code to the VMs, and orchestrates running the job.</a:t>
-            </a:r>
-          </a:p>
-          <a:p>
-            <a:pPr marL="514350" indent="-514350" algn="l">
-              <a:buFont typeface="+mj-lt"/>
-              <a:buAutoNum type="arabicPeriod"/>
-            </a:pPr>
-            <a:r>
-              <a:rPr lang="en-US" sz="2800" b="0" i="0" dirty="0">
+              <a:t>Then, you execute the pipeline on a specific platform such as Dataflow. </a:t>
+            </a:r>
+          </a:p>
+          <a:p>
+            <a:endParaRPr lang="en-US" sz="2000" dirty="0">
+              <a:solidFill>
+                <a:schemeClr val="tx1">
+                  <a:lumMod val="95000"/>
+                </a:schemeClr>
+              </a:solidFill>
+              <a:latin typeface="Roboto" panose="02000000000000000000" pitchFamily="2" charset="0"/>
+            </a:endParaRPr>
+          </a:p>
+          <a:p>
+            <a:r>
+              <a:rPr lang="en-US" sz="2000" b="0" i="0" dirty="0">
                 <a:solidFill>
                   <a:schemeClr val="tx1">
                     <a:lumMod val="95000"/>
@@ -6731,33 +6718,52 @@
                 <a:effectLst/>
                 <a:latin typeface="Roboto" panose="02000000000000000000" pitchFamily="2" charset="0"/>
               </a:rPr>
-              <a:t>Dataflow performs optimizations on the backend to make your pipeline run efficiently and take advantage of parallelization.</a:t>
-            </a:r>
-          </a:p>
-          <a:p>
-            <a:pPr marL="514350" indent="-514350" algn="l">
-              <a:buFont typeface="+mj-lt"/>
-              <a:buAutoNum type="arabicPeriod"/>
-            </a:pPr>
-            <a:r>
-              <a:rPr lang="en-US" sz="2800" b="0" i="0" dirty="0">
-                <a:solidFill>
-                  <a:schemeClr val="tx1">
-                    <a:lumMod val="95000"/>
-                  </a:schemeClr>
-                </a:solidFill>
-                <a:effectLst/>
-                <a:latin typeface="Roboto" panose="02000000000000000000" pitchFamily="2" charset="0"/>
-              </a:rPr>
-              <a:t>While a job is running and after it completes, use Dataflow management capabilities to monitor progress and troubleshoot.</a:t>
-            </a:r>
-          </a:p>
-        </p:txBody>
-      </p:sp>
+              <a:t>This model lets you concentrate on the logical composition of your data processing job, rather than managing the orchestration of parallel processing. </a:t>
+            </a:r>
+            <a:endParaRPr lang="en-IN" sz="2000" dirty="0">
+              <a:solidFill>
+                <a:schemeClr val="tx1">
+                  <a:lumMod val="95000"/>
+                </a:schemeClr>
+              </a:solidFill>
+            </a:endParaRPr>
+          </a:p>
+        </p:txBody>
+      </p:sp>
+      <p:pic>
+        <p:nvPicPr>
+          <p:cNvPr id="7" name="Picture 6">
+            <a:extLst>
+              <a:ext uri="{FF2B5EF4-FFF2-40B4-BE49-F238E27FC236}">
+                <a16:creationId xmlns:a16="http://schemas.microsoft.com/office/drawing/2014/main" id="{1F7C7146-D2F6-0F90-89A8-E3FE7D977BC3}"/>
+              </a:ext>
+            </a:extLst>
+          </p:cNvPr>
+          <p:cNvPicPr>
+            <a:picLocks noChangeAspect="1"/>
+          </p:cNvPicPr>
+          <p:nvPr/>
+        </p:nvPicPr>
+        <p:blipFill>
+          <a:blip r:embed="rId2"/>
+          <a:stretch>
+            <a:fillRect/>
+          </a:stretch>
+        </p:blipFill>
+        <p:spPr>
+          <a:xfrm>
+            <a:off x="295278" y="4724423"/>
+            <a:ext cx="11601444" cy="1743871"/>
+          </a:xfrm>
+          <a:prstGeom prst="rect">
+            <a:avLst/>
+          </a:prstGeom>
+        </p:spPr>
+      </p:pic>
     </p:spTree>
     <p:extLst>
       <p:ext uri="{BB962C8B-B14F-4D97-AF65-F5344CB8AC3E}">
-        <p14:creationId xmlns:p14="http://schemas.microsoft.com/office/powerpoint/2010/main" val="2467107708"/>
+        <p14:creationId xmlns:p14="http://schemas.microsoft.com/office/powerpoint/2010/main" val="3452620521"/>
       </p:ext>
     </p:extLst>
   </p:cSld>
@@ -6834,7 +6840,7 @@
         <p:spPr>
           <a:xfrm>
             <a:off x="821803" y="1400537"/>
-            <a:ext cx="4849792" cy="5262979"/>
+            <a:ext cx="8456668" cy="5262979"/>
           </a:xfrm>
           <a:prstGeom prst="rect">
             <a:avLst/>
@@ -6925,7 +6931,7 @@
             </a:pPr>
             <a:r>
               <a:rPr lang="en-IN" sz="2800" dirty="0"/>
-              <a:t>Runner</a:t>
+              <a:t>Runner – dataflow, spark, direct runner</a:t>
             </a:r>
           </a:p>
           <a:p>
@@ -7160,6 +7166,223 @@
 </p:sld>
 </file>
 
+<file path=ppt/slides/slide18.xml><?xml version="1.0" encoding="utf-8"?>
+<p:sld xmlns:a="http://schemas.openxmlformats.org/drawingml/2006/main" xmlns:r="http://schemas.openxmlformats.org/officeDocument/2006/relationships" xmlns:p="http://schemas.openxmlformats.org/presentationml/2006/main">
+  <p:cSld>
+    <p:spTree>
+      <p:nvGrpSpPr>
+        <p:cNvPr id="1" name=""/>
+        <p:cNvGrpSpPr/>
+        <p:nvPr/>
+      </p:nvGrpSpPr>
+      <p:grpSpPr>
+        <a:xfrm>
+          <a:off x="0" y="0"/>
+          <a:ext cx="0" cy="0"/>
+          <a:chOff x="0" y="0"/>
+          <a:chExt cx="0" cy="0"/>
+        </a:xfrm>
+      </p:grpSpPr>
+      <p:sp>
+        <p:nvSpPr>
+          <p:cNvPr id="3" name="TextBox 2">
+            <a:extLst>
+              <a:ext uri="{FF2B5EF4-FFF2-40B4-BE49-F238E27FC236}">
+                <a16:creationId xmlns:a16="http://schemas.microsoft.com/office/drawing/2014/main" id="{9815CAD6-512B-861F-400F-F355845DE113}"/>
+              </a:ext>
+            </a:extLst>
+          </p:cNvPr>
+          <p:cNvSpPr txBox="1"/>
+          <p:nvPr/>
+        </p:nvSpPr>
+        <p:spPr>
+          <a:xfrm>
+            <a:off x="753035" y="641449"/>
+            <a:ext cx="10372164" cy="2554545"/>
+          </a:xfrm>
+          <a:prstGeom prst="rect">
+            <a:avLst/>
+          </a:prstGeom>
+          <a:noFill/>
+        </p:spPr>
+        <p:txBody>
+          <a:bodyPr wrap="square">
+            <a:spAutoFit/>
+          </a:bodyPr>
+          <a:lstStyle/>
+          <a:p>
+            <a:pPr marL="457200" indent="-457200" algn="l" fontAlgn="base">
+              <a:buFont typeface="Arial" panose="020B0604020202020204" pitchFamily="34" charset="0"/>
+              <a:buChar char="•"/>
+            </a:pPr>
+            <a:r>
+              <a:rPr lang="en-US" sz="3200" b="0" i="0" dirty="0">
+                <a:effectLst/>
+                <a:latin typeface="Poppins" panose="020B0502040204020203" pitchFamily="2" charset="0"/>
+              </a:rPr>
+              <a:t>Google Cloud Composer is a fully managed workflow orchestration service built on Apache Airflow.</a:t>
+            </a:r>
+          </a:p>
+          <a:p>
+            <a:pPr marL="457200" indent="-457200" algn="l" fontAlgn="base">
+              <a:buFont typeface="Arial" panose="020B0604020202020204" pitchFamily="34" charset="0"/>
+              <a:buChar char="•"/>
+            </a:pPr>
+            <a:r>
+              <a:rPr lang="en-US" sz="3200" b="0" i="0" dirty="0">
+                <a:effectLst/>
+                <a:latin typeface="Poppins" panose="020B0502040204020203" pitchFamily="2" charset="0"/>
+              </a:rPr>
+              <a:t>It helps you author, schedule, and monitor pipelines that span across multiple tasks.</a:t>
+            </a:r>
+          </a:p>
+        </p:txBody>
+      </p:sp>
+    </p:spTree>
+    <p:extLst>
+      <p:ext uri="{BB962C8B-B14F-4D97-AF65-F5344CB8AC3E}">
+        <p14:creationId xmlns:p14="http://schemas.microsoft.com/office/powerpoint/2010/main" val="1185683757"/>
+      </p:ext>
+    </p:extLst>
+  </p:cSld>
+  <p:clrMapOvr>
+    <a:masterClrMapping/>
+  </p:clrMapOvr>
+</p:sld>
+</file>
+
+<file path=ppt/slides/slide19.xml><?xml version="1.0" encoding="utf-8"?>
+<p:sld xmlns:a="http://schemas.openxmlformats.org/drawingml/2006/main" xmlns:r="http://schemas.openxmlformats.org/officeDocument/2006/relationships" xmlns:p="http://schemas.openxmlformats.org/presentationml/2006/main">
+  <p:cSld>
+    <p:spTree>
+      <p:nvGrpSpPr>
+        <p:cNvPr id="1" name=""/>
+        <p:cNvGrpSpPr/>
+        <p:nvPr/>
+      </p:nvGrpSpPr>
+      <p:grpSpPr>
+        <a:xfrm>
+          <a:off x="0" y="0"/>
+          <a:ext cx="0" cy="0"/>
+          <a:chOff x="0" y="0"/>
+          <a:chExt cx="0" cy="0"/>
+        </a:xfrm>
+      </p:grpSpPr>
+      <p:sp>
+        <p:nvSpPr>
+          <p:cNvPr id="3" name="TextBox 2">
+            <a:extLst>
+              <a:ext uri="{FF2B5EF4-FFF2-40B4-BE49-F238E27FC236}">
+                <a16:creationId xmlns:a16="http://schemas.microsoft.com/office/drawing/2014/main" id="{FB58830F-3B25-413C-C95A-209CE1BA949E}"/>
+              </a:ext>
+            </a:extLst>
+          </p:cNvPr>
+          <p:cNvSpPr txBox="1"/>
+          <p:nvPr/>
+        </p:nvSpPr>
+        <p:spPr>
+          <a:xfrm>
+            <a:off x="761999" y="1575591"/>
+            <a:ext cx="10954871" cy="3539430"/>
+          </a:xfrm>
+          <a:prstGeom prst="rect">
+            <a:avLst/>
+          </a:prstGeom>
+          <a:noFill/>
+        </p:spPr>
+        <p:txBody>
+          <a:bodyPr wrap="square">
+            <a:spAutoFit/>
+          </a:bodyPr>
+          <a:lstStyle/>
+          <a:p>
+            <a:pPr marL="457200" indent="-457200" algn="l" fontAlgn="base">
+              <a:buFont typeface="Arial" panose="020B0604020202020204" pitchFamily="34" charset="0"/>
+              <a:buChar char="•"/>
+            </a:pPr>
+            <a:r>
+              <a:rPr lang="en-US" sz="2800" b="0" i="0" dirty="0">
+                <a:effectLst/>
+                <a:latin typeface="Poppins" panose="00000500000000000000" pitchFamily="2" charset="0"/>
+              </a:rPr>
+              <a:t>Scalability: Easily scale your workflows based on demand.</a:t>
+            </a:r>
+          </a:p>
+          <a:p>
+            <a:pPr algn="l" fontAlgn="base"/>
+            <a:endParaRPr lang="en-US" sz="2800" b="0" i="0" dirty="0">
+              <a:effectLst/>
+              <a:latin typeface="Poppins" panose="00000500000000000000" pitchFamily="2" charset="0"/>
+            </a:endParaRPr>
+          </a:p>
+          <a:p>
+            <a:pPr marL="457200" indent="-457200" algn="l" fontAlgn="base">
+              <a:buFont typeface="Arial" panose="020B0604020202020204" pitchFamily="34" charset="0"/>
+              <a:buChar char="•"/>
+            </a:pPr>
+            <a:r>
+              <a:rPr lang="en-US" sz="2800" b="0" i="0" dirty="0">
+                <a:effectLst/>
+                <a:latin typeface="Poppins" panose="00000500000000000000" pitchFamily="2" charset="0"/>
+              </a:rPr>
+              <a:t>Monitoring: Monitor and track workflow status in real-time.</a:t>
+            </a:r>
+          </a:p>
+          <a:p>
+            <a:pPr algn="l" fontAlgn="base"/>
+            <a:endParaRPr lang="en-US" sz="2800" b="0" i="0" dirty="0">
+              <a:effectLst/>
+              <a:latin typeface="Poppins" panose="00000500000000000000" pitchFamily="2" charset="0"/>
+            </a:endParaRPr>
+          </a:p>
+          <a:p>
+            <a:pPr marL="457200" indent="-457200" algn="l" fontAlgn="base">
+              <a:buFont typeface="Arial" panose="020B0604020202020204" pitchFamily="34" charset="0"/>
+              <a:buChar char="•"/>
+            </a:pPr>
+            <a:r>
+              <a:rPr lang="en-US" sz="2800" b="0" i="0" dirty="0">
+                <a:effectLst/>
+                <a:latin typeface="Poppins" panose="00000500000000000000" pitchFamily="2" charset="0"/>
+              </a:rPr>
+              <a:t>Customization: Create custom plugins and integrate with other GCP services.</a:t>
+            </a:r>
+          </a:p>
+          <a:p>
+            <a:pPr algn="l" fontAlgn="base"/>
+            <a:endParaRPr lang="en-US" sz="2800" b="0" i="0" dirty="0">
+              <a:effectLst/>
+              <a:latin typeface="Poppins" panose="00000500000000000000" pitchFamily="2" charset="0"/>
+            </a:endParaRPr>
+          </a:p>
+          <a:p>
+            <a:pPr marL="457200" indent="-457200" algn="l" fontAlgn="base">
+              <a:buFont typeface="Arial" panose="020B0604020202020204" pitchFamily="34" charset="0"/>
+              <a:buChar char="•"/>
+            </a:pPr>
+            <a:r>
+              <a:rPr lang="en-US" sz="2800" b="0" i="0" dirty="0">
+                <a:effectLst/>
+                <a:latin typeface="Poppins" panose="00000500000000000000" pitchFamily="2" charset="0"/>
+              </a:rPr>
+              <a:t>Security: Built-in security features to protect your data.</a:t>
+            </a:r>
+          </a:p>
+        </p:txBody>
+      </p:sp>
+    </p:spTree>
+    <p:extLst>
+      <p:ext uri="{BB962C8B-B14F-4D97-AF65-F5344CB8AC3E}">
+        <p14:creationId xmlns:p14="http://schemas.microsoft.com/office/powerpoint/2010/main" val="3179271844"/>
+      </p:ext>
+    </p:extLst>
+  </p:cSld>
+  <p:clrMapOvr>
+    <a:masterClrMapping/>
+  </p:clrMapOvr>
+</p:sld>
+</file>
+
 <file path=ppt/slides/slide2.xml><?xml version="1.0" encoding="utf-8"?>
 <p:sld xmlns:a="http://schemas.openxmlformats.org/drawingml/2006/main" xmlns:r="http://schemas.openxmlformats.org/officeDocument/2006/relationships" xmlns:p="http://schemas.openxmlformats.org/presentationml/2006/main">
   <p:cSld>
@@ -7265,6 +7488,558 @@
     <p:extLst>
       <p:ext uri="{BB962C8B-B14F-4D97-AF65-F5344CB8AC3E}">
         <p14:creationId xmlns:p14="http://schemas.microsoft.com/office/powerpoint/2010/main" val="3160485081"/>
+      </p:ext>
+    </p:extLst>
+  </p:cSld>
+  <p:clrMapOvr>
+    <a:masterClrMapping/>
+  </p:clrMapOvr>
+</p:sld>
+</file>
+
+<file path=ppt/slides/slide20.xml><?xml version="1.0" encoding="utf-8"?>
+<p:sld xmlns:a="http://schemas.openxmlformats.org/drawingml/2006/main" xmlns:r="http://schemas.openxmlformats.org/officeDocument/2006/relationships" xmlns:p="http://schemas.openxmlformats.org/presentationml/2006/main">
+  <p:cSld>
+    <p:spTree>
+      <p:nvGrpSpPr>
+        <p:cNvPr id="1" name=""/>
+        <p:cNvGrpSpPr/>
+        <p:nvPr/>
+      </p:nvGrpSpPr>
+      <p:grpSpPr>
+        <a:xfrm>
+          <a:off x="0" y="0"/>
+          <a:ext cx="0" cy="0"/>
+          <a:chOff x="0" y="0"/>
+          <a:chExt cx="0" cy="0"/>
+        </a:xfrm>
+      </p:grpSpPr>
+      <p:sp>
+        <p:nvSpPr>
+          <p:cNvPr id="3" name="TextBox 2">
+            <a:extLst>
+              <a:ext uri="{FF2B5EF4-FFF2-40B4-BE49-F238E27FC236}">
+                <a16:creationId xmlns:a16="http://schemas.microsoft.com/office/drawing/2014/main" id="{45BA9AFF-5331-6531-1A0B-CDA931A2BFC8}"/>
+              </a:ext>
+            </a:extLst>
+          </p:cNvPr>
+          <p:cNvSpPr txBox="1"/>
+          <p:nvPr/>
+        </p:nvSpPr>
+        <p:spPr>
+          <a:xfrm>
+            <a:off x="708212" y="2305615"/>
+            <a:ext cx="9968752" cy="2246769"/>
+          </a:xfrm>
+          <a:prstGeom prst="rect">
+            <a:avLst/>
+          </a:prstGeom>
+          <a:noFill/>
+        </p:spPr>
+        <p:txBody>
+          <a:bodyPr wrap="square">
+            <a:spAutoFit/>
+          </a:bodyPr>
+          <a:lstStyle/>
+          <a:p>
+            <a:pPr marL="285750" indent="-285750" algn="l" fontAlgn="base">
+              <a:buFont typeface="Arial" panose="020B0604020202020204" pitchFamily="34" charset="0"/>
+              <a:buChar char="•"/>
+            </a:pPr>
+            <a:r>
+              <a:rPr lang="en-US" sz="2800" b="0" i="0" dirty="0">
+                <a:effectLst/>
+                <a:latin typeface="Poppins" panose="00000500000000000000" pitchFamily="2" charset="0"/>
+              </a:rPr>
+              <a:t>Apache Airflow is an open-source tool for orchestrating complex computational workflows.</a:t>
+            </a:r>
+          </a:p>
+          <a:p>
+            <a:pPr algn="l" fontAlgn="base"/>
+            <a:endParaRPr lang="en-US" sz="2800" b="0" i="0" dirty="0">
+              <a:effectLst/>
+              <a:latin typeface="Poppins" panose="00000500000000000000" pitchFamily="2" charset="0"/>
+            </a:endParaRPr>
+          </a:p>
+          <a:p>
+            <a:pPr marL="285750" indent="-285750" algn="l" fontAlgn="base">
+              <a:buFont typeface="Arial" panose="020B0604020202020204" pitchFamily="34" charset="0"/>
+              <a:buChar char="•"/>
+            </a:pPr>
+            <a:r>
+              <a:rPr lang="en-US" sz="2800" b="0" i="0" dirty="0">
+                <a:effectLst/>
+                <a:latin typeface="Poppins" panose="00000500000000000000" pitchFamily="2" charset="0"/>
+              </a:rPr>
+              <a:t>It allows you to define workflows as Directed Acyclic Graphs (DAGs) in Python.</a:t>
+            </a:r>
+          </a:p>
+        </p:txBody>
+      </p:sp>
+      <p:sp>
+        <p:nvSpPr>
+          <p:cNvPr id="6" name="TextBox 5">
+            <a:extLst>
+              <a:ext uri="{FF2B5EF4-FFF2-40B4-BE49-F238E27FC236}">
+                <a16:creationId xmlns:a16="http://schemas.microsoft.com/office/drawing/2014/main" id="{AB41FE49-D3B8-75CE-70AA-B25B3263EC22}"/>
+              </a:ext>
+            </a:extLst>
+          </p:cNvPr>
+          <p:cNvSpPr txBox="1"/>
+          <p:nvPr/>
+        </p:nvSpPr>
+        <p:spPr>
+          <a:xfrm>
+            <a:off x="3442447" y="582705"/>
+            <a:ext cx="3678636" cy="769441"/>
+          </a:xfrm>
+          <a:prstGeom prst="rect">
+            <a:avLst/>
+          </a:prstGeom>
+          <a:noFill/>
+        </p:spPr>
+        <p:txBody>
+          <a:bodyPr wrap="none" rtlCol="0">
+            <a:spAutoFit/>
+          </a:bodyPr>
+          <a:lstStyle/>
+          <a:p>
+            <a:r>
+              <a:rPr lang="en-IN" sz="4400" dirty="0"/>
+              <a:t>Apache Airflow</a:t>
+            </a:r>
+          </a:p>
+        </p:txBody>
+      </p:sp>
+    </p:spTree>
+    <p:extLst>
+      <p:ext uri="{BB962C8B-B14F-4D97-AF65-F5344CB8AC3E}">
+        <p14:creationId xmlns:p14="http://schemas.microsoft.com/office/powerpoint/2010/main" val="3624810123"/>
+      </p:ext>
+    </p:extLst>
+  </p:cSld>
+  <p:clrMapOvr>
+    <a:masterClrMapping/>
+  </p:clrMapOvr>
+</p:sld>
+</file>
+
+<file path=ppt/slides/slide21.xml><?xml version="1.0" encoding="utf-8"?>
+<p:sld xmlns:a="http://schemas.openxmlformats.org/drawingml/2006/main" xmlns:r="http://schemas.openxmlformats.org/officeDocument/2006/relationships" xmlns:p="http://schemas.openxmlformats.org/presentationml/2006/main">
+  <p:cSld>
+    <p:spTree>
+      <p:nvGrpSpPr>
+        <p:cNvPr id="1" name=""/>
+        <p:cNvGrpSpPr/>
+        <p:nvPr/>
+      </p:nvGrpSpPr>
+      <p:grpSpPr>
+        <a:xfrm>
+          <a:off x="0" y="0"/>
+          <a:ext cx="0" cy="0"/>
+          <a:chOff x="0" y="0"/>
+          <a:chExt cx="0" cy="0"/>
+        </a:xfrm>
+      </p:grpSpPr>
+      <p:sp>
+        <p:nvSpPr>
+          <p:cNvPr id="5" name="TextBox 4">
+            <a:extLst>
+              <a:ext uri="{FF2B5EF4-FFF2-40B4-BE49-F238E27FC236}">
+                <a16:creationId xmlns:a16="http://schemas.microsoft.com/office/drawing/2014/main" id="{8F25F308-0DD3-9D9E-F3B4-F19E2F9DD6C8}"/>
+              </a:ext>
+            </a:extLst>
+          </p:cNvPr>
+          <p:cNvSpPr txBox="1"/>
+          <p:nvPr/>
+        </p:nvSpPr>
+        <p:spPr>
+          <a:xfrm>
+            <a:off x="645458" y="1772815"/>
+            <a:ext cx="10425954" cy="3108543"/>
+          </a:xfrm>
+          <a:prstGeom prst="rect">
+            <a:avLst/>
+          </a:prstGeom>
+          <a:noFill/>
+        </p:spPr>
+        <p:txBody>
+          <a:bodyPr wrap="square">
+            <a:spAutoFit/>
+          </a:bodyPr>
+          <a:lstStyle/>
+          <a:p>
+            <a:pPr marL="342900" indent="-342900" algn="l" fontAlgn="base">
+              <a:buFont typeface="Arial" panose="020B0604020202020204" pitchFamily="34" charset="0"/>
+              <a:buChar char="•"/>
+            </a:pPr>
+            <a:r>
+              <a:rPr lang="en-IN" sz="2800" b="0" i="0" dirty="0">
+                <a:effectLst/>
+                <a:latin typeface="Poppins" panose="00000500000000000000" pitchFamily="2" charset="0"/>
+              </a:rPr>
+              <a:t>Benefits of Using Airflow with Google Cloud Composer</a:t>
+            </a:r>
+          </a:p>
+          <a:p>
+            <a:pPr marL="342900" indent="-342900" algn="l" fontAlgn="base">
+              <a:buFont typeface="Arial" panose="020B0604020202020204" pitchFamily="34" charset="0"/>
+              <a:buChar char="•"/>
+            </a:pPr>
+            <a:r>
+              <a:rPr lang="en-IN" sz="2800" b="0" i="0" dirty="0">
+                <a:effectLst/>
+                <a:latin typeface="Poppins" panose="00000500000000000000" pitchFamily="2" charset="0"/>
+              </a:rPr>
+              <a:t>Seamless Integration: Airflow seamlessly integrates with various GCP services.</a:t>
+            </a:r>
+          </a:p>
+          <a:p>
+            <a:pPr marL="342900" indent="-342900" algn="l" fontAlgn="base">
+              <a:buFont typeface="Arial" panose="020B0604020202020204" pitchFamily="34" charset="0"/>
+              <a:buChar char="•"/>
+            </a:pPr>
+            <a:r>
+              <a:rPr lang="en-IN" sz="2800" b="0" i="0" dirty="0">
+                <a:effectLst/>
+                <a:latin typeface="Poppins" panose="00000500000000000000" pitchFamily="2" charset="0"/>
+              </a:rPr>
+              <a:t>Flexibility: Define workflows using Python and customize as needed.</a:t>
+            </a:r>
+          </a:p>
+          <a:p>
+            <a:pPr marL="342900" indent="-342900" algn="l" fontAlgn="base">
+              <a:buFont typeface="Arial" panose="020B0604020202020204" pitchFamily="34" charset="0"/>
+              <a:buChar char="•"/>
+            </a:pPr>
+            <a:r>
+              <a:rPr lang="en-IN" sz="2800" b="0" i="0" dirty="0">
+                <a:effectLst/>
+                <a:latin typeface="Poppins" panose="00000500000000000000" pitchFamily="2" charset="0"/>
+              </a:rPr>
+              <a:t>Automation: Automate tasks and streamline data pipelines.</a:t>
+            </a:r>
+          </a:p>
+        </p:txBody>
+      </p:sp>
+      <p:sp>
+        <p:nvSpPr>
+          <p:cNvPr id="2" name="TextBox 1">
+            <a:extLst>
+              <a:ext uri="{FF2B5EF4-FFF2-40B4-BE49-F238E27FC236}">
+                <a16:creationId xmlns:a16="http://schemas.microsoft.com/office/drawing/2014/main" id="{4EBC8BB9-54C9-A7A1-5D0C-2747BCC8AB90}"/>
+              </a:ext>
+            </a:extLst>
+          </p:cNvPr>
+          <p:cNvSpPr txBox="1"/>
+          <p:nvPr/>
+        </p:nvSpPr>
+        <p:spPr>
+          <a:xfrm>
+            <a:off x="448235" y="573741"/>
+            <a:ext cx="10128029" cy="707886"/>
+          </a:xfrm>
+          <a:prstGeom prst="rect">
+            <a:avLst/>
+          </a:prstGeom>
+          <a:noFill/>
+        </p:spPr>
+        <p:txBody>
+          <a:bodyPr wrap="none" rtlCol="0">
+            <a:spAutoFit/>
+          </a:bodyPr>
+          <a:lstStyle/>
+          <a:p>
+            <a:r>
+              <a:rPr lang="en-IN" sz="4000" dirty="0"/>
+              <a:t>Benefits of Airflow with Cloud Composer in GCP</a:t>
+            </a:r>
+          </a:p>
+        </p:txBody>
+      </p:sp>
+    </p:spTree>
+    <p:extLst>
+      <p:ext uri="{BB962C8B-B14F-4D97-AF65-F5344CB8AC3E}">
+        <p14:creationId xmlns:p14="http://schemas.microsoft.com/office/powerpoint/2010/main" val="2497346880"/>
+      </p:ext>
+    </p:extLst>
+  </p:cSld>
+  <p:clrMapOvr>
+    <a:masterClrMapping/>
+  </p:clrMapOvr>
+</p:sld>
+</file>
+
+<file path=ppt/slides/slide22.xml><?xml version="1.0" encoding="utf-8"?>
+<p:sld xmlns:a="http://schemas.openxmlformats.org/drawingml/2006/main" xmlns:r="http://schemas.openxmlformats.org/officeDocument/2006/relationships" xmlns:p="http://schemas.openxmlformats.org/presentationml/2006/main">
+  <p:cSld>
+    <p:spTree>
+      <p:nvGrpSpPr>
+        <p:cNvPr id="1" name=""/>
+        <p:cNvGrpSpPr/>
+        <p:nvPr/>
+      </p:nvGrpSpPr>
+      <p:grpSpPr>
+        <a:xfrm>
+          <a:off x="0" y="0"/>
+          <a:ext cx="0" cy="0"/>
+          <a:chOff x="0" y="0"/>
+          <a:chExt cx="0" cy="0"/>
+        </a:xfrm>
+      </p:grpSpPr>
+      <p:sp>
+        <p:nvSpPr>
+          <p:cNvPr id="4" name="TextBox 3">
+            <a:extLst>
+              <a:ext uri="{FF2B5EF4-FFF2-40B4-BE49-F238E27FC236}">
+                <a16:creationId xmlns:a16="http://schemas.microsoft.com/office/drawing/2014/main" id="{4A3CC6FE-081F-4CE1-E9C1-D466A695B962}"/>
+              </a:ext>
+            </a:extLst>
+          </p:cNvPr>
+          <p:cNvSpPr txBox="1"/>
+          <p:nvPr/>
+        </p:nvSpPr>
+        <p:spPr>
+          <a:xfrm>
+            <a:off x="1497106" y="940510"/>
+            <a:ext cx="6096000" cy="4832092"/>
+          </a:xfrm>
+          <a:prstGeom prst="rect">
+            <a:avLst/>
+          </a:prstGeom>
+          <a:noFill/>
+        </p:spPr>
+        <p:txBody>
+          <a:bodyPr wrap="square">
+            <a:spAutoFit/>
+          </a:bodyPr>
+          <a:lstStyle/>
+          <a:p>
+            <a:pPr marL="285750" indent="-285750">
+              <a:buFont typeface="Arial" panose="020B0604020202020204" pitchFamily="34" charset="0"/>
+              <a:buChar char="•"/>
+            </a:pPr>
+            <a:r>
+              <a:rPr lang="en-IN" sz="2800" dirty="0" err="1"/>
+              <a:t>HttpOperator</a:t>
+            </a:r>
+            <a:endParaRPr lang="en-IN" sz="2800" dirty="0"/>
+          </a:p>
+          <a:p>
+            <a:pPr marL="285750" indent="-285750">
+              <a:buFont typeface="Arial" panose="020B0604020202020204" pitchFamily="34" charset="0"/>
+              <a:buChar char="•"/>
+            </a:pPr>
+            <a:r>
+              <a:rPr lang="en-IN" sz="2800" dirty="0" err="1"/>
+              <a:t>MySqlOperator</a:t>
+            </a:r>
+            <a:endParaRPr lang="en-IN" sz="2800" dirty="0"/>
+          </a:p>
+          <a:p>
+            <a:pPr marL="285750" indent="-285750">
+              <a:buFont typeface="Arial" panose="020B0604020202020204" pitchFamily="34" charset="0"/>
+              <a:buChar char="•"/>
+            </a:pPr>
+            <a:r>
+              <a:rPr lang="en-IN" sz="2800" dirty="0" err="1"/>
+              <a:t>PostgresOperator</a:t>
+            </a:r>
+            <a:endParaRPr lang="en-IN" sz="2800" dirty="0"/>
+          </a:p>
+          <a:p>
+            <a:pPr marL="285750" indent="-285750">
+              <a:buFont typeface="Arial" panose="020B0604020202020204" pitchFamily="34" charset="0"/>
+              <a:buChar char="•"/>
+            </a:pPr>
+            <a:r>
+              <a:rPr lang="en-IN" sz="2800" dirty="0" err="1"/>
+              <a:t>MsSqlOperator</a:t>
+            </a:r>
+            <a:endParaRPr lang="en-IN" sz="2800" dirty="0"/>
+          </a:p>
+          <a:p>
+            <a:pPr marL="285750" indent="-285750">
+              <a:buFont typeface="Arial" panose="020B0604020202020204" pitchFamily="34" charset="0"/>
+              <a:buChar char="•"/>
+            </a:pPr>
+            <a:r>
+              <a:rPr lang="en-IN" sz="2800" dirty="0" err="1"/>
+              <a:t>OracleOperator</a:t>
+            </a:r>
+            <a:endParaRPr lang="en-IN" sz="2800" dirty="0"/>
+          </a:p>
+          <a:p>
+            <a:pPr marL="285750" indent="-285750">
+              <a:buFont typeface="Arial" panose="020B0604020202020204" pitchFamily="34" charset="0"/>
+              <a:buChar char="•"/>
+            </a:pPr>
+            <a:r>
+              <a:rPr lang="en-IN" sz="2800" dirty="0" err="1"/>
+              <a:t>JdbcOperator</a:t>
+            </a:r>
+            <a:endParaRPr lang="en-IN" sz="2800" dirty="0"/>
+          </a:p>
+          <a:p>
+            <a:pPr marL="285750" indent="-285750">
+              <a:buFont typeface="Arial" panose="020B0604020202020204" pitchFamily="34" charset="0"/>
+              <a:buChar char="•"/>
+            </a:pPr>
+            <a:r>
+              <a:rPr lang="en-IN" sz="2800" dirty="0" err="1"/>
+              <a:t>DockerOperator</a:t>
+            </a:r>
+            <a:endParaRPr lang="en-IN" sz="2800" dirty="0"/>
+          </a:p>
+          <a:p>
+            <a:pPr marL="285750" indent="-285750">
+              <a:buFont typeface="Arial" panose="020B0604020202020204" pitchFamily="34" charset="0"/>
+              <a:buChar char="•"/>
+            </a:pPr>
+            <a:r>
+              <a:rPr lang="en-IN" sz="2800" dirty="0" err="1"/>
+              <a:t>HiveOperator</a:t>
+            </a:r>
+            <a:endParaRPr lang="en-IN" sz="2800" dirty="0"/>
+          </a:p>
+          <a:p>
+            <a:pPr marL="285750" indent="-285750">
+              <a:buFont typeface="Arial" panose="020B0604020202020204" pitchFamily="34" charset="0"/>
+              <a:buChar char="•"/>
+            </a:pPr>
+            <a:r>
+              <a:rPr lang="en-IN" sz="2800" dirty="0"/>
+              <a:t>S3FileTransformOperator</a:t>
+            </a:r>
+          </a:p>
+          <a:p>
+            <a:pPr marL="285750" indent="-285750">
+              <a:buFont typeface="Arial" panose="020B0604020202020204" pitchFamily="34" charset="0"/>
+              <a:buChar char="•"/>
+            </a:pPr>
+            <a:r>
+              <a:rPr lang="en-IN" sz="2800" dirty="0" err="1"/>
+              <a:t>PrestoToMySqlOperator</a:t>
+            </a:r>
+            <a:endParaRPr lang="en-IN" sz="2800" dirty="0"/>
+          </a:p>
+          <a:p>
+            <a:pPr marL="285750" indent="-285750">
+              <a:buFont typeface="Arial" panose="020B0604020202020204" pitchFamily="34" charset="0"/>
+              <a:buChar char="•"/>
+            </a:pPr>
+            <a:r>
+              <a:rPr lang="en-IN" sz="2800" dirty="0" err="1"/>
+              <a:t>SlackAPIOperator</a:t>
+            </a:r>
+            <a:endParaRPr lang="en-IN" sz="2800" dirty="0"/>
+          </a:p>
+        </p:txBody>
+      </p:sp>
+      <p:sp>
+        <p:nvSpPr>
+          <p:cNvPr id="6" name="TextBox 5">
+            <a:extLst>
+              <a:ext uri="{FF2B5EF4-FFF2-40B4-BE49-F238E27FC236}">
+                <a16:creationId xmlns:a16="http://schemas.microsoft.com/office/drawing/2014/main" id="{51BF8ED1-0109-E3B1-7C39-083108F16808}"/>
+              </a:ext>
+            </a:extLst>
+          </p:cNvPr>
+          <p:cNvSpPr txBox="1"/>
+          <p:nvPr/>
+        </p:nvSpPr>
+        <p:spPr>
+          <a:xfrm>
+            <a:off x="1317812" y="303374"/>
+            <a:ext cx="6096000" cy="406265"/>
+          </a:xfrm>
+          <a:prstGeom prst="rect">
+            <a:avLst/>
+          </a:prstGeom>
+          <a:noFill/>
+        </p:spPr>
+        <p:txBody>
+          <a:bodyPr wrap="square">
+            <a:spAutoFit/>
+          </a:bodyPr>
+          <a:lstStyle/>
+          <a:p>
+            <a:r>
+              <a:rPr lang="en-IN" dirty="0"/>
+              <a:t>https://airflow.apache.org/docs/</a:t>
+            </a:r>
+          </a:p>
+        </p:txBody>
+      </p:sp>
+    </p:spTree>
+    <p:extLst>
+      <p:ext uri="{BB962C8B-B14F-4D97-AF65-F5344CB8AC3E}">
+        <p14:creationId xmlns:p14="http://schemas.microsoft.com/office/powerpoint/2010/main" val="2193217331"/>
+      </p:ext>
+    </p:extLst>
+  </p:cSld>
+  <p:clrMapOvr>
+    <a:masterClrMapping/>
+  </p:clrMapOvr>
+</p:sld>
+</file>
+
+<file path=ppt/slides/slide23.xml><?xml version="1.0" encoding="utf-8"?>
+<p:sld xmlns:a="http://schemas.openxmlformats.org/drawingml/2006/main" xmlns:r="http://schemas.openxmlformats.org/officeDocument/2006/relationships" xmlns:p="http://schemas.openxmlformats.org/presentationml/2006/main">
+  <p:cSld>
+    <p:spTree>
+      <p:nvGrpSpPr>
+        <p:cNvPr id="1" name=""/>
+        <p:cNvGrpSpPr/>
+        <p:nvPr/>
+      </p:nvGrpSpPr>
+      <p:grpSpPr>
+        <a:xfrm>
+          <a:off x="0" y="0"/>
+          <a:ext cx="0" cy="0"/>
+          <a:chOff x="0" y="0"/>
+          <a:chExt cx="0" cy="0"/>
+        </a:xfrm>
+      </p:grpSpPr>
+      <p:sp>
+        <p:nvSpPr>
+          <p:cNvPr id="3" name="TextBox 2">
+            <a:extLst>
+              <a:ext uri="{FF2B5EF4-FFF2-40B4-BE49-F238E27FC236}">
+                <a16:creationId xmlns:a16="http://schemas.microsoft.com/office/drawing/2014/main" id="{9FEC5005-1E8C-7925-25E3-3BF91E5043E4}"/>
+              </a:ext>
+            </a:extLst>
+          </p:cNvPr>
+          <p:cNvSpPr txBox="1"/>
+          <p:nvPr/>
+        </p:nvSpPr>
+        <p:spPr>
+          <a:xfrm>
+            <a:off x="654423" y="739153"/>
+            <a:ext cx="9547411" cy="369332"/>
+          </a:xfrm>
+          <a:prstGeom prst="rect">
+            <a:avLst/>
+          </a:prstGeom>
+          <a:noFill/>
+        </p:spPr>
+        <p:txBody>
+          <a:bodyPr wrap="square">
+            <a:spAutoFit/>
+          </a:bodyPr>
+          <a:lstStyle/>
+          <a:p>
+            <a:r>
+              <a:rPr lang="en-IN" dirty="0"/>
+              <a:t>https://airflow.apache.org/docs/apache-airflow-providers-google/stable/operators/cloud/index.html</a:t>
+            </a:r>
+          </a:p>
+        </p:txBody>
+      </p:sp>
+    </p:spTree>
+    <p:extLst>
+      <p:ext uri="{BB962C8B-B14F-4D97-AF65-F5344CB8AC3E}">
+        <p14:creationId xmlns:p14="http://schemas.microsoft.com/office/powerpoint/2010/main" val="2563746191"/>
       </p:ext>
     </p:extLst>
   </p:cSld>
@@ -8010,19 +8785,7 @@
               <a:rPr lang="en-US" sz="2800" b="0" i="0" u="none" strike="noStrike" baseline="0" dirty="0">
                 <a:latin typeface="SabonLTStd-Roman"/>
               </a:rPr>
-              <a:t>log files may be stored in Cloud Storage and analyzed by programs running in a Cloud </a:t>
-            </a:r>
-            <a:r>
-              <a:rPr lang="en-US" sz="2800" b="0" i="0" u="none" strike="noStrike" baseline="0" dirty="0" err="1">
-                <a:latin typeface="SabonLTStd-Roman"/>
-              </a:rPr>
-              <a:t>Dataproc</a:t>
-            </a:r>
-            <a:r>
-              <a:rPr lang="en-US" sz="2800" b="0" i="0" u="none" strike="noStrike" baseline="0" dirty="0">
-                <a:latin typeface="SabonLTStd-Roman"/>
-              </a:rPr>
-              <a:t> Spark cluster.</a:t>
+              <a:t>log files may be stored in Cloud Storage.</a:t>
             </a:r>
           </a:p>
           <a:p>
@@ -8034,7 +8797,22 @@
               <a:rPr lang="en-US" sz="2800" b="0" i="0" u="none" strike="noStrike" baseline="0" dirty="0">
                 <a:latin typeface="SabonLTStd-Roman"/>
               </a:rPr>
-              <a:t>Backup and archival storage, such as persistent disk snapshots, backups of on-premises systems, and data kept for audit and compliance requirements but not likely to be </a:t>
+              <a:t>Backup and archival storage, such as persistent disk snapshots, backups of on-premises systems.</a:t>
+            </a:r>
+            <a:endParaRPr lang="en-US" sz="2800" dirty="0">
+              <a:latin typeface="SabonLTStd-Roman"/>
+            </a:endParaRPr>
+          </a:p>
+          <a:p>
+            <a:pPr marL="285750" indent="-285750" algn="l">
+              <a:buFont typeface="Arial" panose="020B0604020202020204" pitchFamily="34" charset="0"/>
+              <a:buChar char="•"/>
+            </a:pPr>
+            <a:r>
+              <a:rPr lang="en-US" sz="2800" b="0" i="0" u="none" strike="noStrike" baseline="0" dirty="0">
+                <a:latin typeface="SabonLTStd-Roman"/>
+              </a:rPr>
+              <a:t>data kept for audit and compliance requirements but not likely to be </a:t>
             </a:r>
             <a:r>
               <a:rPr lang="en-IN" sz="2800" b="0" i="0" u="none" strike="noStrike" baseline="0" dirty="0">
@@ -8052,7 +8830,19 @@
               <a:rPr lang="en-US" sz="2800" b="0" i="0" u="none" strike="noStrike" baseline="0" dirty="0">
                 <a:latin typeface="SabonLTStd-Roman"/>
               </a:rPr>
-              <a:t>As a staging area for uploaded data. For example, a mobile app may allow users to upload images to a Cloud Storage bucket. When the file is created, a Cloud Function could trigger to initiate the next steps of processing.</a:t>
+              <a:t>As a staging area for loading data to BQ Analytics layer. </a:t>
+            </a:r>
+          </a:p>
+          <a:p>
+            <a:pPr marL="285750" indent="-285750" algn="l">
+              <a:buFont typeface="Arial" panose="020B0604020202020204" pitchFamily="34" charset="0"/>
+              <a:buChar char="•"/>
+            </a:pPr>
+            <a:r>
+              <a:rPr lang="en-US" sz="2800" b="0" i="0" u="none" strike="noStrike" baseline="0" dirty="0">
+                <a:latin typeface="SabonLTStd-Roman"/>
+              </a:rPr>
+              <a:t>Staging are for uploading files. For example, a mobile app may allow users to upload images to a Cloud Storage bucket. When the file is created, a Cloud Function could trigger to initiate the next steps of processing.</a:t>
             </a:r>
             <a:endParaRPr lang="en-IN" sz="2800" dirty="0"/>
           </a:p>
